--- a/admin/MLB-PitchersFriend-ApplicationFlow.pptx
+++ b/admin/MLB-PitchersFriend-ApplicationFlow.pptx
@@ -6,7 +6,6 @@
   </p:sldMasterIdLst>
   <p:sldIdLst>
     <p:sldId id="257" r:id="rId2"/>
-    <p:sldId id="258" r:id="rId3"/>
   </p:sldIdLst>
   <p:sldSz cx="12192000" cy="6858000"/>
   <p:notesSz cx="6858000" cy="9144000"/>
@@ -105,17 +104,18 @@
       </a:defRPr>
     </a:lvl9pPr>
   </p:defaultTextStyle>
+  <p:extLst>
+    <p:ext uri="{EFAFB233-063F-42B5-8137-9DF3F51BA10A}">
+      <p15:sldGuideLst xmlns:p15="http://schemas.microsoft.com/office/powerpoint/2012/main"/>
+    </p:ext>
+  </p:extLst>
 </p:presentation>
 </file>
 
 <file path=ppt/commentAuthors.xml><?xml version="1.0" encoding="utf-8"?>
 <p:cmAuthorLst xmlns:a="http://schemas.openxmlformats.org/drawingml/2006/main" xmlns:r="http://schemas.openxmlformats.org/officeDocument/2006/relationships" xmlns:p="http://schemas.openxmlformats.org/presentationml/2006/main">
   <p:cmAuthor id="1" name="Battles, Jason" initials="BJ" lastIdx="1" clrIdx="0">
-    <p:extLst>
-      <p:ext uri="{19B8F6BF-5375-455C-9EA6-DF929625EA0E}">
-        <p15:presenceInfo xmlns:p15="http://schemas.microsoft.com/office/powerpoint/2012/main" userId="S-1-5-21-854245398-1972579041-362288127-1475826" providerId="AD"/>
-      </p:ext>
-    </p:extLst>
+    <p:extLst/>
   </p:cmAuthor>
 </p:cmAuthorLst>
 </file>
@@ -179,7 +179,6 @@
               <a:rPr lang="en-US"/>
               <a:t>Click to edit Master title style</a:t>
             </a:r>
-            <a:endParaRPr lang="en-US"/>
           </a:p>
         </p:txBody>
       </p:sp>
@@ -244,7 +243,6 @@
               <a:rPr lang="en-US"/>
               <a:t>Click to edit Master subtitle style</a:t>
             </a:r>
-            <a:endParaRPr lang="en-US"/>
           </a:p>
         </p:txBody>
       </p:sp>
@@ -265,7 +263,7 @@
           <a:p>
             <a:fld id="{D799A4F4-F021-4A86-86DA-26BC100B2B4C}" type="datetimeFigureOut">
               <a:rPr lang="en-US" smtClean="0"/>
-              <a:t>10/23/2016</a:t>
+              <a:t>10/23/16</a:t>
             </a:fld>
             <a:endParaRPr lang="en-US"/>
           </a:p>
@@ -362,7 +360,6 @@
               <a:rPr lang="en-US"/>
               <a:t>Click to edit Master title style</a:t>
             </a:r>
-            <a:endParaRPr lang="en-US"/>
           </a:p>
         </p:txBody>
       </p:sp>
@@ -414,7 +411,6 @@
               <a:rPr lang="en-US"/>
               <a:t>Fifth level</a:t>
             </a:r>
-            <a:endParaRPr lang="en-US"/>
           </a:p>
         </p:txBody>
       </p:sp>
@@ -435,7 +431,7 @@
           <a:p>
             <a:fld id="{D799A4F4-F021-4A86-86DA-26BC100B2B4C}" type="datetimeFigureOut">
               <a:rPr lang="en-US" smtClean="0"/>
-              <a:t>10/23/2016</a:t>
+              <a:t>10/23/16</a:t>
             </a:fld>
             <a:endParaRPr lang="en-US"/>
           </a:p>
@@ -537,7 +533,6 @@
               <a:rPr lang="en-US"/>
               <a:t>Click to edit Master title style</a:t>
             </a:r>
-            <a:endParaRPr lang="en-US"/>
           </a:p>
         </p:txBody>
       </p:sp>
@@ -594,7 +589,6 @@
               <a:rPr lang="en-US"/>
               <a:t>Fifth level</a:t>
             </a:r>
-            <a:endParaRPr lang="en-US"/>
           </a:p>
         </p:txBody>
       </p:sp>
@@ -615,7 +609,7 @@
           <a:p>
             <a:fld id="{D799A4F4-F021-4A86-86DA-26BC100B2B4C}" type="datetimeFigureOut">
               <a:rPr lang="en-US" smtClean="0"/>
-              <a:t>10/23/2016</a:t>
+              <a:t>10/23/16</a:t>
             </a:fld>
             <a:endParaRPr lang="en-US"/>
           </a:p>
@@ -712,7 +706,6 @@
               <a:rPr lang="en-US"/>
               <a:t>Click to edit Master title style</a:t>
             </a:r>
-            <a:endParaRPr lang="en-US"/>
           </a:p>
         </p:txBody>
       </p:sp>
@@ -764,7 +757,6 @@
               <a:rPr lang="en-US"/>
               <a:t>Fifth level</a:t>
             </a:r>
-            <a:endParaRPr lang="en-US"/>
           </a:p>
         </p:txBody>
       </p:sp>
@@ -785,7 +777,7 @@
           <a:p>
             <a:fld id="{D799A4F4-F021-4A86-86DA-26BC100B2B4C}" type="datetimeFigureOut">
               <a:rPr lang="en-US" smtClean="0"/>
-              <a:t>10/23/2016</a:t>
+              <a:t>10/23/16</a:t>
             </a:fld>
             <a:endParaRPr lang="en-US"/>
           </a:p>
@@ -891,7 +883,6 @@
               <a:rPr lang="en-US"/>
               <a:t>Click to edit Master title style</a:t>
             </a:r>
-            <a:endParaRPr lang="en-US"/>
           </a:p>
         </p:txBody>
       </p:sp>
@@ -1031,7 +1022,7 @@
           <a:p>
             <a:fld id="{D799A4F4-F021-4A86-86DA-26BC100B2B4C}" type="datetimeFigureOut">
               <a:rPr lang="en-US" smtClean="0"/>
-              <a:t>10/23/2016</a:t>
+              <a:t>10/23/16</a:t>
             </a:fld>
             <a:endParaRPr lang="en-US"/>
           </a:p>
@@ -1128,7 +1119,6 @@
               <a:rPr lang="en-US"/>
               <a:t>Click to edit Master title style</a:t>
             </a:r>
-            <a:endParaRPr lang="en-US"/>
           </a:p>
         </p:txBody>
       </p:sp>
@@ -1185,7 +1175,6 @@
               <a:rPr lang="en-US"/>
               <a:t>Fifth level</a:t>
             </a:r>
-            <a:endParaRPr lang="en-US"/>
           </a:p>
         </p:txBody>
       </p:sp>
@@ -1242,7 +1231,6 @@
               <a:rPr lang="en-US"/>
               <a:t>Fifth level</a:t>
             </a:r>
-            <a:endParaRPr lang="en-US"/>
           </a:p>
         </p:txBody>
       </p:sp>
@@ -1263,7 +1251,7 @@
           <a:p>
             <a:fld id="{D799A4F4-F021-4A86-86DA-26BC100B2B4C}" type="datetimeFigureOut">
               <a:rPr lang="en-US" smtClean="0"/>
-              <a:t>10/23/2016</a:t>
+              <a:t>10/23/16</a:t>
             </a:fld>
             <a:endParaRPr lang="en-US"/>
           </a:p>
@@ -1365,7 +1353,6 @@
               <a:rPr lang="en-US"/>
               <a:t>Click to edit Master title style</a:t>
             </a:r>
-            <a:endParaRPr lang="en-US"/>
           </a:p>
         </p:txBody>
       </p:sp>
@@ -1487,7 +1474,6 @@
               <a:rPr lang="en-US"/>
               <a:t>Fifth level</a:t>
             </a:r>
-            <a:endParaRPr lang="en-US"/>
           </a:p>
         </p:txBody>
       </p:sp>
@@ -1609,7 +1595,6 @@
               <a:rPr lang="en-US"/>
               <a:t>Fifth level</a:t>
             </a:r>
-            <a:endParaRPr lang="en-US"/>
           </a:p>
         </p:txBody>
       </p:sp>
@@ -1630,7 +1615,7 @@
           <a:p>
             <a:fld id="{D799A4F4-F021-4A86-86DA-26BC100B2B4C}" type="datetimeFigureOut">
               <a:rPr lang="en-US" smtClean="0"/>
-              <a:t>10/23/2016</a:t>
+              <a:t>10/23/16</a:t>
             </a:fld>
             <a:endParaRPr lang="en-US"/>
           </a:p>
@@ -1727,7 +1712,6 @@
               <a:rPr lang="en-US"/>
               <a:t>Click to edit Master title style</a:t>
             </a:r>
-            <a:endParaRPr lang="en-US"/>
           </a:p>
         </p:txBody>
       </p:sp>
@@ -1748,7 +1732,7 @@
           <a:p>
             <a:fld id="{D799A4F4-F021-4A86-86DA-26BC100B2B4C}" type="datetimeFigureOut">
               <a:rPr lang="en-US" smtClean="0"/>
-              <a:t>10/23/2016</a:t>
+              <a:t>10/23/16</a:t>
             </a:fld>
             <a:endParaRPr lang="en-US"/>
           </a:p>
@@ -1843,7 +1827,7 @@
           <a:p>
             <a:fld id="{D799A4F4-F021-4A86-86DA-26BC100B2B4C}" type="datetimeFigureOut">
               <a:rPr lang="en-US" smtClean="0"/>
-              <a:t>10/23/2016</a:t>
+              <a:t>10/23/16</a:t>
             </a:fld>
             <a:endParaRPr lang="en-US"/>
           </a:p>
@@ -1949,7 +1933,6 @@
               <a:rPr lang="en-US"/>
               <a:t>Click to edit Master title style</a:t>
             </a:r>
-            <a:endParaRPr lang="en-US"/>
           </a:p>
         </p:txBody>
       </p:sp>
@@ -2034,7 +2017,6 @@
               <a:rPr lang="en-US"/>
               <a:t>Fifth level</a:t>
             </a:r>
-            <a:endParaRPr lang="en-US"/>
           </a:p>
         </p:txBody>
       </p:sp>
@@ -2120,7 +2102,7 @@
           <a:p>
             <a:fld id="{D799A4F4-F021-4A86-86DA-26BC100B2B4C}" type="datetimeFigureOut">
               <a:rPr lang="en-US" smtClean="0"/>
-              <a:t>10/23/2016</a:t>
+              <a:t>10/23/16</a:t>
             </a:fld>
             <a:endParaRPr lang="en-US"/>
           </a:p>
@@ -2226,7 +2208,6 @@
               <a:rPr lang="en-US"/>
               <a:t>Click to edit Master title style</a:t>
             </a:r>
-            <a:endParaRPr lang="en-US"/>
           </a:p>
         </p:txBody>
       </p:sp>
@@ -2373,7 +2354,7 @@
           <a:p>
             <a:fld id="{D799A4F4-F021-4A86-86DA-26BC100B2B4C}" type="datetimeFigureOut">
               <a:rPr lang="en-US" smtClean="0"/>
-              <a:t>10/23/2016</a:t>
+              <a:t>10/23/16</a:t>
             </a:fld>
             <a:endParaRPr lang="en-US"/>
           </a:p>
@@ -2485,7 +2466,6 @@
               <a:rPr lang="en-US"/>
               <a:t>Click to edit Master title style</a:t>
             </a:r>
-            <a:endParaRPr lang="en-US"/>
           </a:p>
         </p:txBody>
       </p:sp>
@@ -2547,7 +2527,6 @@
               <a:rPr lang="en-US"/>
               <a:t>Fifth level</a:t>
             </a:r>
-            <a:endParaRPr lang="en-US"/>
           </a:p>
         </p:txBody>
       </p:sp>
@@ -2586,7 +2565,7 @@
           <a:p>
             <a:fld id="{D799A4F4-F021-4A86-86DA-26BC100B2B4C}" type="datetimeFigureOut">
               <a:rPr lang="en-US" smtClean="0"/>
-              <a:t>10/23/2016</a:t>
+              <a:t>10/23/16</a:t>
             </a:fld>
             <a:endParaRPr lang="en-US"/>
           </a:p>
@@ -3008,15 +2987,15 @@
         </p:spPr>
         <p:style>
           <a:lnRef idx="2">
-            <a:schemeClr val="accent1">
+            <a:schemeClr val="accent4">
               <a:shade val="50000"/>
             </a:schemeClr>
           </a:lnRef>
           <a:fillRef idx="1">
-            <a:schemeClr val="accent1"/>
+            <a:schemeClr val="accent4"/>
           </a:fillRef>
           <a:effectRef idx="0">
-            <a:schemeClr val="accent1"/>
+            <a:schemeClr val="accent4"/>
           </a:effectRef>
           <a:fontRef idx="minor">
             <a:schemeClr val="lt1"/>
@@ -3028,14 +3007,22 @@
           <a:p>
             <a:pPr algn="ctr"/>
             <a:r>
-              <a:rPr lang="en-US" sz="1200" dirty="0"/>
+              <a:rPr lang="en-US" sz="1200" dirty="0">
+                <a:solidFill>
+                  <a:sysClr val="windowText" lastClr="000000"/>
+                </a:solidFill>
+              </a:rPr>
               <a:t>API</a:t>
             </a:r>
           </a:p>
           <a:p>
             <a:pPr algn="ctr"/>
             <a:r>
-              <a:rPr lang="en-US" sz="1200" dirty="0"/>
+              <a:rPr lang="en-US" sz="1200" dirty="0">
+                <a:solidFill>
+                  <a:sysClr val="windowText" lastClr="000000"/>
+                </a:solidFill>
+              </a:rPr>
               <a:t>Ant</a:t>
             </a:r>
           </a:p>
@@ -3161,15 +3148,15 @@
         </p:spPr>
         <p:style>
           <a:lnRef idx="2">
-            <a:schemeClr val="accent1">
+            <a:schemeClr val="dk1">
               <a:shade val="50000"/>
             </a:schemeClr>
           </a:lnRef>
           <a:fillRef idx="1">
-            <a:schemeClr val="accent1"/>
+            <a:schemeClr val="dk1"/>
           </a:fillRef>
           <a:effectRef idx="0">
-            <a:schemeClr val="accent1"/>
+            <a:schemeClr val="dk1"/>
           </a:effectRef>
           <a:fontRef idx="minor">
             <a:schemeClr val="lt1"/>
@@ -4036,16 +4023,14 @@
           </a:prstGeom>
         </p:spPr>
         <p:style>
-          <a:lnRef idx="2">
-            <a:schemeClr val="accent1">
-              <a:shade val="50000"/>
-            </a:schemeClr>
+          <a:lnRef idx="3">
+            <a:schemeClr val="lt1"/>
           </a:lnRef>
           <a:fillRef idx="1">
-            <a:schemeClr val="accent1"/>
+            <a:schemeClr val="accent3"/>
           </a:fillRef>
-          <a:effectRef idx="0">
-            <a:schemeClr val="accent1"/>
+          <a:effectRef idx="1">
+            <a:schemeClr val="accent3"/>
           </a:effectRef>
           <a:fontRef idx="minor">
             <a:schemeClr val="lt1"/>
@@ -4057,14 +4042,26 @@
           <a:p>
             <a:pPr algn="ctr"/>
             <a:r>
-              <a:rPr lang="en-US" sz="1400" dirty="0" err="1"/>
+              <a:rPr lang="en-US" sz="1400" dirty="0">
+                <a:solidFill>
+                  <a:sysClr val="windowText" lastClr="000000"/>
+                </a:solidFill>
+              </a:rPr>
               <a:t>Virtustream</a:t>
             </a:r>
             <a:br>
-              <a:rPr lang="en-US" sz="1400" dirty="0"/>
+              <a:rPr lang="en-US" sz="1400" dirty="0">
+                <a:solidFill>
+                  <a:sysClr val="windowText" lastClr="000000"/>
+                </a:solidFill>
+              </a:rPr>
             </a:br>
             <a:r>
-              <a:rPr lang="en-US" sz="1400" dirty="0"/>
+              <a:rPr lang="en-US" sz="1400" dirty="0">
+                <a:solidFill>
+                  <a:sysClr val="windowText" lastClr="000000"/>
+                </a:solidFill>
+              </a:rPr>
               <a:t>Object Storage</a:t>
             </a:r>
           </a:p>
@@ -4136,6 +4133,10 @@
               <a:rPr lang="en-US" sz="1000" b="1" dirty="0"/>
               <a:t>Write combined data</a:t>
             </a:r>
+            <a:r>
+              <a:rPr lang="en-US" sz="1000" dirty="0"/>
+              <a:t/>
+            </a:r>
             <a:br>
               <a:rPr lang="en-US" sz="1000" dirty="0"/>
             </a:br>
@@ -4216,6 +4217,10 @@
             <a:r>
               <a:rPr lang="en-US" sz="1000" b="1" dirty="0"/>
               <a:t>Ingest raw data</a:t>
+            </a:r>
+            <a:r>
+              <a:rPr lang="en-US" sz="1000" dirty="0"/>
+              <a:t/>
             </a:r>
             <a:br>
               <a:rPr lang="en-US" sz="1000" dirty="0"/>
@@ -4629,13 +4634,16 @@
       <p:cxnSp>
         <p:nvCxnSpPr>
           <p:cNvPr id="119" name="Straight Arrow Connector 118"/>
-          <p:cNvCxnSpPr/>
+          <p:cNvCxnSpPr>
+            <a:stCxn id="6" idx="0"/>
+            <a:endCxn id="14" idx="3"/>
+          </p:cNvCxnSpPr>
           <p:nvPr/>
         </p:nvCxnSpPr>
         <p:spPr>
-          <a:xfrm>
-            <a:off x="8270007" y="2583286"/>
-            <a:ext cx="1558290" cy="24427"/>
+          <a:xfrm flipV="1">
+            <a:off x="6747759" y="2472940"/>
+            <a:ext cx="157235" cy="650693"/>
           </a:xfrm>
           <a:prstGeom prst="straightConnector1">
             <a:avLst/>
@@ -4665,13 +4673,16 @@
       <p:cxnSp>
         <p:nvCxnSpPr>
           <p:cNvPr id="120" name="Straight Arrow Connector 119"/>
-          <p:cNvCxnSpPr/>
+          <p:cNvCxnSpPr>
+            <a:stCxn id="6" idx="0"/>
+            <a:endCxn id="11" idx="3"/>
+          </p:cNvCxnSpPr>
           <p:nvPr/>
         </p:nvCxnSpPr>
         <p:spPr>
-          <a:xfrm>
-            <a:off x="8270007" y="2583286"/>
-            <a:ext cx="2015490" cy="481627"/>
+          <a:xfrm flipH="1" flipV="1">
+            <a:off x="6447794" y="2015740"/>
+            <a:ext cx="299965" cy="1107893"/>
           </a:xfrm>
           <a:prstGeom prst="straightConnector1">
             <a:avLst/>
@@ -4701,13 +4712,16 @@
       <p:cxnSp>
         <p:nvCxnSpPr>
           <p:cNvPr id="121" name="Straight Arrow Connector 120"/>
-          <p:cNvCxnSpPr/>
+          <p:cNvCxnSpPr>
+            <a:stCxn id="6" idx="0"/>
+            <a:endCxn id="12" idx="3"/>
+          </p:cNvCxnSpPr>
           <p:nvPr/>
         </p:nvCxnSpPr>
         <p:spPr>
-          <a:xfrm>
-            <a:off x="8270007" y="2583286"/>
-            <a:ext cx="1863090" cy="329227"/>
+          <a:xfrm flipH="1" flipV="1">
+            <a:off x="6600194" y="2168140"/>
+            <a:ext cx="147565" cy="955493"/>
           </a:xfrm>
           <a:prstGeom prst="straightConnector1">
             <a:avLst/>
@@ -4737,13 +4751,16 @@
       <p:cxnSp>
         <p:nvCxnSpPr>
           <p:cNvPr id="122" name="Straight Arrow Connector 121"/>
-          <p:cNvCxnSpPr/>
+          <p:cNvCxnSpPr>
+            <a:stCxn id="6" idx="0"/>
+            <a:endCxn id="13" idx="3"/>
+          </p:cNvCxnSpPr>
           <p:nvPr/>
         </p:nvCxnSpPr>
         <p:spPr>
-          <a:xfrm>
-            <a:off x="8270007" y="2583286"/>
-            <a:ext cx="1710690" cy="176827"/>
+          <a:xfrm flipV="1">
+            <a:off x="6747759" y="2320540"/>
+            <a:ext cx="4835" cy="803093"/>
           </a:xfrm>
           <a:prstGeom prst="straightConnector1">
             <a:avLst/>
@@ -4773,13 +4790,16 @@
       <p:cxnSp>
         <p:nvCxnSpPr>
           <p:cNvPr id="123" name="Straight Arrow Connector 122"/>
-          <p:cNvCxnSpPr/>
+          <p:cNvCxnSpPr>
+            <a:stCxn id="6" idx="0"/>
+            <a:endCxn id="15" idx="3"/>
+          </p:cNvCxnSpPr>
           <p:nvPr/>
         </p:nvCxnSpPr>
         <p:spPr>
           <a:xfrm flipV="1">
-            <a:off x="8270007" y="2455313"/>
-            <a:ext cx="1405890" cy="127973"/>
+            <a:off x="6747759" y="2625340"/>
+            <a:ext cx="309635" cy="498293"/>
           </a:xfrm>
           <a:prstGeom prst="straightConnector1">
             <a:avLst/>
@@ -4883,40 +4903,202 @@
           </a:fontRef>
         </p:style>
       </p:cxnSp>
+      <p:sp>
+        <p:nvSpPr>
+          <p:cNvPr id="58" name="TextBox 57"/>
+          <p:cNvSpPr txBox="1"/>
+          <p:nvPr/>
+        </p:nvSpPr>
+        <p:spPr>
+          <a:xfrm>
+            <a:off x="5162280" y="2522326"/>
+            <a:ext cx="1453351" cy="400110"/>
+          </a:xfrm>
+          <a:prstGeom prst="rect">
+            <a:avLst/>
+          </a:prstGeom>
+          <a:noFill/>
+        </p:spPr>
+        <p:txBody>
+          <a:bodyPr wrap="square" rtlCol="0">
+            <a:spAutoFit/>
+          </a:bodyPr>
+          <a:lstStyle/>
+          <a:p>
+            <a:r>
+              <a:rPr lang="en-US" sz="1000" b="1" dirty="0" smtClean="0"/>
+              <a:t>Read </a:t>
+            </a:r>
+            <a:r>
+              <a:rPr lang="en-US" sz="1000" b="1" smtClean="0"/>
+              <a:t>Hitter Events </a:t>
+            </a:r>
+            <a:r>
+              <a:rPr lang="en-US" sz="1000" b="1" smtClean="0"/>
+              <a:t>data</a:t>
+            </a:r>
+            <a:r>
+              <a:rPr lang="en-US" sz="1000" dirty="0"/>
+              <a:t/>
+            </a:r>
+            <a:br>
+              <a:rPr lang="en-US" sz="1000" dirty="0"/>
+            </a:br>
+            <a:r>
+              <a:rPr lang="en-US" sz="1000" dirty="0"/>
+              <a:t>(pitches, </a:t>
+            </a:r>
+            <a:r>
+              <a:rPr lang="en-US" sz="1000" dirty="0" err="1"/>
+              <a:t>atbat</a:t>
+            </a:r>
+            <a:r>
+              <a:rPr lang="en-US" sz="1000" dirty="0"/>
+              <a:t> events)</a:t>
+            </a:r>
+            <a:endParaRPr lang="en-US" sz="1050" dirty="0"/>
+          </a:p>
+        </p:txBody>
+      </p:sp>
+      <p:sp>
+        <p:nvSpPr>
+          <p:cNvPr id="30" name="Rectangle 29"/>
+          <p:cNvSpPr/>
+          <p:nvPr/>
+        </p:nvSpPr>
+        <p:spPr>
+          <a:xfrm>
+            <a:off x="10135208" y="2116232"/>
+            <a:ext cx="659218" cy="830241"/>
+          </a:xfrm>
+          <a:prstGeom prst="rect">
+            <a:avLst/>
+          </a:prstGeom>
+        </p:spPr>
+        <p:style>
+          <a:lnRef idx="2">
+            <a:schemeClr val="accent1">
+              <a:shade val="50000"/>
+            </a:schemeClr>
+          </a:lnRef>
+          <a:fillRef idx="1">
+            <a:schemeClr val="accent1"/>
+          </a:fillRef>
+          <a:effectRef idx="0">
+            <a:schemeClr val="accent1"/>
+          </a:effectRef>
+          <a:fontRef idx="minor">
+            <a:schemeClr val="lt1"/>
+          </a:fontRef>
+        </p:style>
+        <p:txBody>
+          <a:bodyPr rtlCol="0" anchor="ctr"/>
+          <a:lstStyle/>
+          <a:p>
+            <a:pPr algn="ctr"/>
+            <a:r>
+              <a:rPr lang="en-US" sz="1200" dirty="0" smtClean="0"/>
+              <a:t>Mobile App</a:t>
+            </a:r>
+            <a:endParaRPr lang="en-US" sz="1200" dirty="0"/>
+          </a:p>
+        </p:txBody>
+      </p:sp>
+      <p:cxnSp>
+        <p:nvCxnSpPr>
+          <p:cNvPr id="60" name="Straight Arrow Connector 59"/>
+          <p:cNvCxnSpPr>
+            <a:stCxn id="30" idx="1"/>
+            <a:endCxn id="57" idx="1"/>
+          </p:cNvCxnSpPr>
+          <p:nvPr/>
+        </p:nvCxnSpPr>
+        <p:spPr>
+          <a:xfrm flipH="1" flipV="1">
+            <a:off x="9248059" y="1821518"/>
+            <a:ext cx="887149" cy="709835"/>
+          </a:xfrm>
+          <a:prstGeom prst="straightConnector1">
+            <a:avLst/>
+          </a:prstGeom>
+          <a:ln>
+            <a:solidFill>
+              <a:schemeClr val="tx1"/>
+            </a:solidFill>
+            <a:tailEnd type="triangle"/>
+          </a:ln>
+        </p:spPr>
+        <p:style>
+          <a:lnRef idx="1">
+            <a:schemeClr val="accent1"/>
+          </a:lnRef>
+          <a:fillRef idx="0">
+            <a:schemeClr val="accent1"/>
+          </a:fillRef>
+          <a:effectRef idx="0">
+            <a:schemeClr val="accent1"/>
+          </a:effectRef>
+          <a:fontRef idx="minor">
+            <a:schemeClr val="tx1"/>
+          </a:fontRef>
+        </p:style>
+      </p:cxnSp>
+      <p:sp>
+        <p:nvSpPr>
+          <p:cNvPr id="62" name="TextBox 61"/>
+          <p:cNvSpPr txBox="1"/>
+          <p:nvPr/>
+        </p:nvSpPr>
+        <p:spPr>
+          <a:xfrm>
+            <a:off x="9480591" y="1738048"/>
+            <a:ext cx="1595708" cy="400110"/>
+          </a:xfrm>
+          <a:prstGeom prst="rect">
+            <a:avLst/>
+          </a:prstGeom>
+          <a:noFill/>
+        </p:spPr>
+        <p:txBody>
+          <a:bodyPr wrap="square" rtlCol="0">
+            <a:spAutoFit/>
+          </a:bodyPr>
+          <a:lstStyle/>
+          <a:p>
+            <a:r>
+              <a:rPr lang="en-US" sz="1000" b="1" dirty="0" smtClean="0"/>
+              <a:t>Load </a:t>
+            </a:r>
+            <a:r>
+              <a:rPr lang="en-US" sz="1000" b="1" dirty="0" smtClean="0"/>
+              <a:t>Data </a:t>
+            </a:r>
+            <a:r>
+              <a:rPr lang="en-US" sz="1000" b="1" dirty="0"/>
+              <a:t>Visualizations</a:t>
+            </a:r>
+          </a:p>
+          <a:p>
+            <a:r>
+              <a:rPr lang="en-US" sz="1000" dirty="0"/>
+              <a:t>Heat Map, </a:t>
+            </a:r>
+            <a:r>
+              <a:rPr lang="en-US" sz="1000" dirty="0" err="1"/>
+              <a:t>HitterVal</a:t>
+            </a:r>
+            <a:r>
+              <a:rPr lang="en-US" sz="1000" dirty="0"/>
+              <a:t> Map </a:t>
+            </a:r>
+            <a:endParaRPr lang="en-US" sz="1050" dirty="0"/>
+          </a:p>
+        </p:txBody>
+      </p:sp>
     </p:spTree>
     <p:extLst>
       <p:ext uri="{BB962C8B-B14F-4D97-AF65-F5344CB8AC3E}">
         <p14:creationId xmlns:p14="http://schemas.microsoft.com/office/powerpoint/2010/main" val="2022759725"/>
-      </p:ext>
-    </p:extLst>
-  </p:cSld>
-  <p:clrMapOvr>
-    <a:masterClrMapping/>
-  </p:clrMapOvr>
-</p:sld>
-</file>
-
-<file path=ppt/slides/slide2.xml><?xml version="1.0" encoding="utf-8"?>
-<p:sld xmlns:a="http://schemas.openxmlformats.org/drawingml/2006/main" xmlns:r="http://schemas.openxmlformats.org/officeDocument/2006/relationships" xmlns:p="http://schemas.openxmlformats.org/presentationml/2006/main">
-  <p:cSld>
-    <p:spTree>
-      <p:nvGrpSpPr>
-        <p:cNvPr id="1" name=""/>
-        <p:cNvGrpSpPr/>
-        <p:nvPr/>
-      </p:nvGrpSpPr>
-      <p:grpSpPr>
-        <a:xfrm>
-          <a:off x="0" y="0"/>
-          <a:ext cx="0" cy="0"/>
-          <a:chOff x="0" y="0"/>
-          <a:chExt cx="0" cy="0"/>
-        </a:xfrm>
-      </p:grpSpPr>
-    </p:spTree>
-    <p:extLst>
-      <p:ext uri="{BB962C8B-B14F-4D97-AF65-F5344CB8AC3E}">
-        <p14:creationId xmlns:p14="http://schemas.microsoft.com/office/powerpoint/2010/main" val="244830904"/>
       </p:ext>
     </p:extLst>
   </p:cSld>

--- a/admin/MLB-PitchersFriend-ApplicationFlow.pptx
+++ b/admin/MLB-PitchersFriend-ApplicationFlow.pptx
@@ -4142,15 +4142,7 @@
             </a:br>
             <a:r>
               <a:rPr lang="en-US" sz="1000" dirty="0"/>
-              <a:t>(pitches, </a:t>
-            </a:r>
-            <a:r>
-              <a:rPr lang="en-US" sz="1000" dirty="0" err="1"/>
-              <a:t>atbat</a:t>
-            </a:r>
-            <a:r>
-              <a:rPr lang="en-US" sz="1000" dirty="0"/>
-              <a:t> events)</a:t>
+              <a:t>(pitches, atbat events)</a:t>
             </a:r>
             <a:endParaRPr lang="en-US" sz="1050" dirty="0"/>
           </a:p>
@@ -4227,15 +4219,7 @@
             </a:br>
             <a:r>
               <a:rPr lang="en-US" sz="1000" dirty="0"/>
-              <a:t>(pitches, </a:t>
-            </a:r>
-            <a:r>
-              <a:rPr lang="en-US" sz="1000" dirty="0" err="1"/>
-              <a:t>atbat</a:t>
-            </a:r>
-            <a:r>
-              <a:rPr lang="en-US" sz="1000" dirty="0"/>
-              <a:t> events)</a:t>
+              <a:t>(pitches, atbat events)</a:t>
             </a:r>
             <a:endParaRPr lang="en-US" sz="1050" dirty="0"/>
           </a:p>
@@ -4617,15 +4601,7 @@
           <a:p>
             <a:r>
               <a:rPr lang="en-US" sz="1000" dirty="0"/>
-              <a:t>Heat Map, </a:t>
-            </a:r>
-            <a:r>
-              <a:rPr lang="en-US" sz="1000" dirty="0" err="1"/>
-              <a:t>HitterVal</a:t>
-            </a:r>
-            <a:r>
-              <a:rPr lang="en-US" sz="1000" dirty="0"/>
-              <a:t> Map </a:t>
+              <a:t>Heat Map, HitterVal Map </a:t>
             </a:r>
             <a:endParaRPr lang="en-US" sz="1050" dirty="0"/>
           </a:p>
@@ -4927,14 +4903,10 @@
           <a:p>
             <a:r>
               <a:rPr lang="en-US" sz="1000" b="1" dirty="0" smtClean="0"/>
-              <a:t>Read </a:t>
-            </a:r>
-            <a:r>
-              <a:rPr lang="en-US" sz="1000" b="1" smtClean="0"/>
-              <a:t>Hitter Events </a:t>
-            </a:r>
-            <a:r>
-              <a:rPr lang="en-US" sz="1000" b="1" smtClean="0"/>
+              <a:t>Read Hitter Events </a:t>
+            </a:r>
+            <a:r>
+              <a:rPr lang="en-US" sz="1000" b="1" dirty="0" smtClean="0"/>
               <a:t>data</a:t>
             </a:r>
             <a:r>
@@ -4946,15 +4918,7 @@
             </a:br>
             <a:r>
               <a:rPr lang="en-US" sz="1000" dirty="0"/>
-              <a:t>(pitches, </a:t>
-            </a:r>
-            <a:r>
-              <a:rPr lang="en-US" sz="1000" dirty="0" err="1"/>
-              <a:t>atbat</a:t>
-            </a:r>
-            <a:r>
-              <a:rPr lang="en-US" sz="1000" dirty="0"/>
-              <a:t> events)</a:t>
+              <a:t>(pitches, atbat events)</a:t>
             </a:r>
             <a:endParaRPr lang="en-US" sz="1050" dirty="0"/>
           </a:p>
@@ -5081,15 +5045,83 @@
           <a:p>
             <a:r>
               <a:rPr lang="en-US" sz="1000" dirty="0"/>
-              <a:t>Heat Map, </a:t>
-            </a:r>
-            <a:r>
-              <a:rPr lang="en-US" sz="1000" dirty="0" err="1"/>
-              <a:t>HitterVal</a:t>
-            </a:r>
-            <a:r>
-              <a:rPr lang="en-US" sz="1000" dirty="0"/>
-              <a:t> Map </a:t>
+              <a:t>Heat Map, HitterVal Map </a:t>
+            </a:r>
+            <a:endParaRPr lang="en-US" sz="1050" dirty="0"/>
+          </a:p>
+        </p:txBody>
+      </p:sp>
+      <p:cxnSp>
+        <p:nvCxnSpPr>
+          <p:cNvPr id="67" name="Straight Arrow Connector 66"/>
+          <p:cNvCxnSpPr>
+            <a:stCxn id="30" idx="1"/>
+            <a:endCxn id="6" idx="7"/>
+          </p:cNvCxnSpPr>
+          <p:nvPr/>
+        </p:nvCxnSpPr>
+        <p:spPr>
+          <a:xfrm flipH="1">
+            <a:off x="7135706" y="2531353"/>
+            <a:ext cx="2999502" cy="752973"/>
+          </a:xfrm>
+          <a:prstGeom prst="straightConnector1">
+            <a:avLst/>
+          </a:prstGeom>
+          <a:ln>
+            <a:solidFill>
+              <a:schemeClr val="tx1"/>
+            </a:solidFill>
+            <a:tailEnd type="triangle"/>
+          </a:ln>
+        </p:spPr>
+        <p:style>
+          <a:lnRef idx="1">
+            <a:schemeClr val="accent1"/>
+          </a:lnRef>
+          <a:fillRef idx="0">
+            <a:schemeClr val="accent1"/>
+          </a:fillRef>
+          <a:effectRef idx="0">
+            <a:schemeClr val="accent1"/>
+          </a:effectRef>
+          <a:fontRef idx="minor">
+            <a:schemeClr val="tx1"/>
+          </a:fontRef>
+        </p:style>
+      </p:cxnSp>
+      <p:sp>
+        <p:nvSpPr>
+          <p:cNvPr id="68" name="TextBox 67"/>
+          <p:cNvSpPr txBox="1"/>
+          <p:nvPr/>
+        </p:nvSpPr>
+        <p:spPr>
+          <a:xfrm>
+            <a:off x="8159072" y="2358162"/>
+            <a:ext cx="1595708" cy="400110"/>
+          </a:xfrm>
+          <a:prstGeom prst="rect">
+            <a:avLst/>
+          </a:prstGeom>
+          <a:noFill/>
+        </p:spPr>
+        <p:txBody>
+          <a:bodyPr wrap="square" rtlCol="0">
+            <a:spAutoFit/>
+          </a:bodyPr>
+          <a:lstStyle/>
+          <a:p>
+            <a:r>
+              <a:rPr lang="en-US" sz="1000" b="1" dirty="0" smtClean="0"/>
+              <a:t>Load Player Info</a:t>
+            </a:r>
+            <a:endParaRPr lang="en-US" sz="1000" b="1" dirty="0"/>
+          </a:p>
+          <a:p>
+            <a:r>
+              <a:rPr lang="en-US" sz="1000" dirty="0" smtClean="0"/>
+              <a:t>Name, Vitals, etc. </a:t>
             </a:r>
             <a:endParaRPr lang="en-US" sz="1050" dirty="0"/>
           </a:p>
